--- a/ppt/클라우드 컴퓨팅 프로젝트.pptx
+++ b/ppt/클라우드 컴퓨팅 프로젝트.pptx
@@ -110,6 +110,11 @@
       </a:defRPr>
     </a:lvl9pPr>
   </p:defaultTextStyle>
+  <p:extLst>
+    <p:ext uri="{EFAFB233-063F-42B5-8137-9DF3F51BA10A}">
+      <p15:sldGuideLst xmlns:p15="http://schemas.microsoft.com/office/powerpoint/2012/main"/>
+    </p:ext>
+  </p:extLst>
 </p:presentation>
 </file>
 
@@ -3735,7 +3740,7 @@
         </p:blipFill>
         <p:spPr bwMode="auto">
           <a:xfrm>
-            <a:off x="583142" y="2400724"/>
+            <a:off x="357389" y="2322151"/>
             <a:ext cx="859105" cy="859105"/>
           </a:xfrm>
           <a:prstGeom prst="rect">
@@ -3761,7 +3766,7 @@
         </p:nvSpPr>
         <p:spPr>
           <a:xfrm>
-            <a:off x="703935" y="2031392"/>
+            <a:off x="478182" y="1952819"/>
             <a:ext cx="617517" cy="369332"/>
           </a:xfrm>
           <a:prstGeom prst="rect">
@@ -3776,7 +3781,7 @@
           <a:lstStyle/>
           <a:p>
             <a:r>
-              <a:rPr lang="en-US" altLang="ko-KR" smtClean="0"/>
+              <a:rPr lang="en-US" altLang="ko-KR" dirty="0" smtClean="0"/>
               <a:t>Dev</a:t>
             </a:r>
             <a:endParaRPr lang="ko-KR" altLang="en-US" dirty="0"/>
@@ -3791,7 +3796,7 @@
         </p:nvSpPr>
         <p:spPr>
           <a:xfrm>
-            <a:off x="6846172" y="1535959"/>
+            <a:off x="6924065" y="1485159"/>
             <a:ext cx="1167771" cy="369332"/>
           </a:xfrm>
           <a:prstGeom prst="rect">
@@ -3821,7 +3826,7 @@
         </p:nvSpPr>
         <p:spPr>
           <a:xfrm>
-            <a:off x="6759102" y="1571863"/>
+            <a:off x="6836995" y="1521063"/>
             <a:ext cx="1341912" cy="874743"/>
           </a:xfrm>
           <a:prstGeom prst="rect">
@@ -3867,7 +3872,7 @@
         </p:nvSpPr>
         <p:spPr>
           <a:xfrm>
-            <a:off x="7148019" y="1941194"/>
+            <a:off x="7225912" y="1890394"/>
             <a:ext cx="564078" cy="276999"/>
           </a:xfrm>
           <a:prstGeom prst="rect">
@@ -3903,7 +3908,7 @@
         </p:nvSpPr>
         <p:spPr>
           <a:xfrm>
-            <a:off x="6846172" y="2614634"/>
+            <a:off x="6924065" y="2563834"/>
             <a:ext cx="1167771" cy="369332"/>
           </a:xfrm>
           <a:prstGeom prst="rect">
@@ -3933,7 +3938,7 @@
         </p:nvSpPr>
         <p:spPr>
           <a:xfrm>
-            <a:off x="6759102" y="2650538"/>
+            <a:off x="6836995" y="2599738"/>
             <a:ext cx="1341912" cy="874743"/>
           </a:xfrm>
           <a:prstGeom prst="rect">
@@ -3979,7 +3984,7 @@
         </p:nvSpPr>
         <p:spPr>
           <a:xfrm>
-            <a:off x="7148019" y="3019869"/>
+            <a:off x="7225912" y="2969069"/>
             <a:ext cx="564078" cy="276999"/>
           </a:xfrm>
           <a:prstGeom prst="rect">
@@ -4015,7 +4020,7 @@
         </p:nvSpPr>
         <p:spPr>
           <a:xfrm>
-            <a:off x="6638307" y="1133588"/>
+            <a:off x="6716200" y="1082788"/>
             <a:ext cx="1591293" cy="2814958"/>
           </a:xfrm>
           <a:prstGeom prst="rect">
@@ -4076,7 +4081,7 @@
         </p:blipFill>
         <p:spPr bwMode="auto">
           <a:xfrm rot="5400000" flipH="1">
-            <a:off x="7322274" y="3623362"/>
+            <a:off x="7400167" y="3572562"/>
             <a:ext cx="215564" cy="213631"/>
           </a:xfrm>
           <a:prstGeom prst="rect">
@@ -4102,7 +4107,7 @@
         </p:nvSpPr>
         <p:spPr>
           <a:xfrm>
-            <a:off x="6638307" y="1133588"/>
+            <a:off x="6716200" y="1082788"/>
             <a:ext cx="1591293" cy="338554"/>
           </a:xfrm>
           <a:prstGeom prst="rect">
@@ -4132,7 +4137,7 @@
         </p:nvGrpSpPr>
         <p:grpSpPr>
           <a:xfrm>
-            <a:off x="3505540" y="2158793"/>
+            <a:off x="3583433" y="2107993"/>
             <a:ext cx="941120" cy="1022890"/>
             <a:chOff x="3413668" y="1930041"/>
             <a:chExt cx="941120" cy="1022890"/>
@@ -4231,7 +4236,7 @@
         </p:blipFill>
         <p:spPr>
           <a:xfrm>
-            <a:off x="10590107" y="2398432"/>
+            <a:off x="10668000" y="2347632"/>
             <a:ext cx="1524000" cy="2447925"/>
           </a:xfrm>
           <a:prstGeom prst="rect">
@@ -4255,7 +4260,7 @@
         </p:blipFill>
         <p:spPr>
           <a:xfrm>
-            <a:off x="8415222" y="2441102"/>
+            <a:off x="8493115" y="2390302"/>
             <a:ext cx="2047875" cy="2105025"/>
           </a:xfrm>
           <a:prstGeom prst="rect">
@@ -4279,7 +4284,7 @@
         </p:blipFill>
         <p:spPr>
           <a:xfrm>
-            <a:off x="8535877" y="164627"/>
+            <a:off x="8613770" y="113827"/>
             <a:ext cx="3457575" cy="2276475"/>
           </a:xfrm>
           <a:prstGeom prst="rect">
@@ -4295,7 +4300,7 @@
         </p:nvCxnSpPr>
         <p:spPr>
           <a:xfrm>
-            <a:off x="1620981" y="2577965"/>
+            <a:off x="1698874" y="2527165"/>
             <a:ext cx="1727860" cy="0"/>
           </a:xfrm>
           <a:prstGeom prst="straightConnector1">
@@ -4328,7 +4333,7 @@
         </p:nvCxnSpPr>
         <p:spPr>
           <a:xfrm flipV="1">
-            <a:off x="4552315" y="2030801"/>
+            <a:off x="4630208" y="1980001"/>
             <a:ext cx="2496719" cy="259289"/>
           </a:xfrm>
           <a:prstGeom prst="straightConnector1">
@@ -4361,7 +4366,7 @@
         </p:nvCxnSpPr>
         <p:spPr>
           <a:xfrm>
-            <a:off x="4632282" y="2959741"/>
+            <a:off x="4710175" y="2908941"/>
             <a:ext cx="2411082" cy="283488"/>
           </a:xfrm>
           <a:prstGeom prst="straightConnector1">
@@ -4394,7 +4399,7 @@
         </p:nvCxnSpPr>
         <p:spPr>
           <a:xfrm flipH="1">
-            <a:off x="4598177" y="2130766"/>
+            <a:off x="4676070" y="2079966"/>
             <a:ext cx="2488530" cy="259288"/>
           </a:xfrm>
           <a:prstGeom prst="straightConnector1">
@@ -4427,7 +4432,7 @@
         </p:nvCxnSpPr>
         <p:spPr>
           <a:xfrm flipH="1" flipV="1">
-            <a:off x="4601800" y="2802504"/>
+            <a:off x="4679693" y="2751704"/>
             <a:ext cx="2441565" cy="268806"/>
           </a:xfrm>
           <a:prstGeom prst="straightConnector1">
@@ -4460,7 +4465,7 @@
         </p:nvCxnSpPr>
         <p:spPr>
           <a:xfrm flipH="1">
-            <a:off x="1620981" y="2740078"/>
+            <a:off x="1698874" y="2689278"/>
             <a:ext cx="1679604" cy="0"/>
           </a:xfrm>
           <a:prstGeom prst="straightConnector1">
@@ -4485,6 +4490,204 @@
           </a:fontRef>
         </p:style>
       </p:cxnSp>
+      <p:sp>
+        <p:nvSpPr>
+          <p:cNvPr id="31" name="오른쪽 화살표 30"/>
+          <p:cNvSpPr/>
+          <p:nvPr/>
+        </p:nvSpPr>
+        <p:spPr>
+          <a:xfrm rot="5400000">
+            <a:off x="465666" y="3284710"/>
+            <a:ext cx="642547" cy="362354"/>
+          </a:xfrm>
+          <a:prstGeom prst="rightArrow">
+            <a:avLst/>
+          </a:prstGeom>
+          <a:solidFill>
+            <a:schemeClr val="tx1"/>
+          </a:solidFill>
+          <a:ln>
+            <a:solidFill>
+              <a:schemeClr val="tx1"/>
+            </a:solidFill>
+          </a:ln>
+        </p:spPr>
+        <p:style>
+          <a:lnRef idx="2">
+            <a:schemeClr val="accent1">
+              <a:shade val="50000"/>
+            </a:schemeClr>
+          </a:lnRef>
+          <a:fillRef idx="1">
+            <a:schemeClr val="accent1"/>
+          </a:fillRef>
+          <a:effectRef idx="0">
+            <a:schemeClr val="accent1"/>
+          </a:effectRef>
+          <a:fontRef idx="minor">
+            <a:schemeClr val="lt1"/>
+          </a:fontRef>
+        </p:style>
+        <p:txBody>
+          <a:bodyPr rtlCol="0" anchor="ctr"/>
+          <a:lstStyle/>
+          <a:p>
+            <a:pPr algn="ctr"/>
+            <a:endParaRPr lang="ko-KR" altLang="en-US"/>
+          </a:p>
+        </p:txBody>
+      </p:sp>
+      <p:sp>
+        <p:nvSpPr>
+          <p:cNvPr id="2" name="TextBox 1"/>
+          <p:cNvSpPr txBox="1"/>
+          <p:nvPr/>
+        </p:nvSpPr>
+        <p:spPr>
+          <a:xfrm>
+            <a:off x="916401" y="3227561"/>
+            <a:ext cx="2057741" cy="369332"/>
+          </a:xfrm>
+          <a:prstGeom prst="rect">
+            <a:avLst/>
+          </a:prstGeom>
+          <a:noFill/>
+        </p:spPr>
+        <p:txBody>
+          <a:bodyPr wrap="square" rtlCol="0">
+            <a:spAutoFit/>
+          </a:bodyPr>
+          <a:lstStyle/>
+          <a:p>
+            <a:r>
+              <a:rPr lang="en-US" altLang="ko-KR" dirty="0" smtClean="0"/>
+              <a:t>Setup.exe Deploy</a:t>
+            </a:r>
+            <a:endParaRPr lang="ko-KR" altLang="en-US" dirty="0"/>
+          </a:p>
+        </p:txBody>
+      </p:sp>
+      <p:sp>
+        <p:nvSpPr>
+          <p:cNvPr id="3" name="TextBox 2"/>
+          <p:cNvSpPr txBox="1"/>
+          <p:nvPr/>
+        </p:nvSpPr>
+        <p:spPr>
+          <a:xfrm>
+            <a:off x="1883235" y="2225506"/>
+            <a:ext cx="1359137" cy="261610"/>
+          </a:xfrm>
+          <a:prstGeom prst="rect">
+            <a:avLst/>
+          </a:prstGeom>
+          <a:noFill/>
+        </p:spPr>
+        <p:txBody>
+          <a:bodyPr wrap="square" rtlCol="0">
+            <a:spAutoFit/>
+          </a:bodyPr>
+          <a:lstStyle/>
+          <a:p>
+            <a:r>
+              <a:rPr lang="en-US" altLang="ko-KR" sz="1100" dirty="0" smtClean="0"/>
+              <a:t>HTTP:POST&amp;GET</a:t>
+            </a:r>
+            <a:endParaRPr lang="ko-KR" altLang="en-US" sz="1100" dirty="0"/>
+          </a:p>
+        </p:txBody>
+      </p:sp>
+      <p:sp>
+        <p:nvSpPr>
+          <p:cNvPr id="33" name="TextBox 32"/>
+          <p:cNvSpPr txBox="1"/>
+          <p:nvPr/>
+        </p:nvSpPr>
+        <p:spPr>
+          <a:xfrm>
+            <a:off x="1896802" y="2689278"/>
+            <a:ext cx="1359137" cy="261610"/>
+          </a:xfrm>
+          <a:prstGeom prst="rect">
+            <a:avLst/>
+          </a:prstGeom>
+          <a:noFill/>
+        </p:spPr>
+        <p:txBody>
+          <a:bodyPr wrap="square" rtlCol="0">
+            <a:spAutoFit/>
+          </a:bodyPr>
+          <a:lstStyle/>
+          <a:p>
+            <a:r>
+              <a:rPr lang="en-US" altLang="ko-KR" sz="1100" dirty="0" smtClean="0"/>
+              <a:t>HTTP:POST&amp;GET</a:t>
+            </a:r>
+            <a:endParaRPr lang="ko-KR" altLang="en-US" sz="1100" dirty="0"/>
+          </a:p>
+        </p:txBody>
+      </p:sp>
+      <p:sp>
+        <p:nvSpPr>
+          <p:cNvPr id="35" name="TextBox 34"/>
+          <p:cNvSpPr txBox="1"/>
+          <p:nvPr/>
+        </p:nvSpPr>
+        <p:spPr>
+          <a:xfrm>
+            <a:off x="5051715" y="1797914"/>
+            <a:ext cx="1359137" cy="261610"/>
+          </a:xfrm>
+          <a:prstGeom prst="rect">
+            <a:avLst/>
+          </a:prstGeom>
+          <a:noFill/>
+        </p:spPr>
+        <p:txBody>
+          <a:bodyPr wrap="square" rtlCol="0">
+            <a:spAutoFit/>
+          </a:bodyPr>
+          <a:lstStyle/>
+          <a:p>
+            <a:r>
+              <a:rPr lang="en-US" altLang="ko-KR" sz="1100" dirty="0" smtClean="0"/>
+              <a:t>HTTP:POST&amp;GET</a:t>
+            </a:r>
+            <a:endParaRPr lang="ko-KR" altLang="en-US" sz="1100" dirty="0"/>
+          </a:p>
+        </p:txBody>
+      </p:sp>
+      <p:sp>
+        <p:nvSpPr>
+          <p:cNvPr id="37" name="TextBox 36"/>
+          <p:cNvSpPr txBox="1"/>
+          <p:nvPr/>
+        </p:nvSpPr>
+        <p:spPr>
+          <a:xfrm>
+            <a:off x="5016567" y="3138511"/>
+            <a:ext cx="1359137" cy="261610"/>
+          </a:xfrm>
+          <a:prstGeom prst="rect">
+            <a:avLst/>
+          </a:prstGeom>
+          <a:noFill/>
+        </p:spPr>
+        <p:txBody>
+          <a:bodyPr wrap="square" rtlCol="0">
+            <a:spAutoFit/>
+          </a:bodyPr>
+          <a:lstStyle/>
+          <a:p>
+            <a:r>
+              <a:rPr lang="en-US" altLang="ko-KR" sz="1100" dirty="0" smtClean="0"/>
+              <a:t>HTTP:POST&amp;GET</a:t>
+            </a:r>
+            <a:endParaRPr lang="ko-KR" altLang="en-US" sz="1100" dirty="0"/>
+          </a:p>
+        </p:txBody>
+      </p:sp>
     </p:spTree>
     <p:extLst>
       <p:ext uri="{BB962C8B-B14F-4D97-AF65-F5344CB8AC3E}">
@@ -4635,9 +4838,43 @@
           <a:chExt cx="0" cy="0"/>
         </a:xfrm>
       </p:grpSpPr>
+      <p:sp>
+        <p:nvSpPr>
+          <p:cNvPr id="5" name="TextBox 4"/>
+          <p:cNvSpPr txBox="1"/>
+          <p:nvPr/>
+        </p:nvSpPr>
+        <p:spPr>
+          <a:xfrm>
+            <a:off x="7346257" y="236681"/>
+            <a:ext cx="3172877" cy="369332"/>
+          </a:xfrm>
+          <a:prstGeom prst="rect">
+            <a:avLst/>
+          </a:prstGeom>
+          <a:noFill/>
+        </p:spPr>
+        <p:txBody>
+          <a:bodyPr wrap="square" rtlCol="0">
+            <a:spAutoFit/>
+          </a:bodyPr>
+          <a:lstStyle/>
+          <a:p>
+            <a:r>
+              <a:rPr lang="en-US" altLang="ko-KR" dirty="0" smtClean="0"/>
+              <a:t>Setup.exe </a:t>
+            </a:r>
+            <a:r>
+              <a:rPr lang="ko-KR" altLang="en-US" dirty="0" smtClean="0"/>
+              <a:t>파일 실행 후 설치</a:t>
+            </a:r>
+            <a:endParaRPr lang="ko-KR" altLang="en-US" dirty="0"/>
+          </a:p>
+        </p:txBody>
+      </p:sp>
       <p:pic>
         <p:nvPicPr>
-          <p:cNvPr id="4" name="그림 3"/>
+          <p:cNvPr id="3" name="그림 2"/>
           <p:cNvPicPr>
             <a:picLocks noChangeAspect="1"/>
           </p:cNvPicPr>
@@ -4651,24 +4888,84 @@
         </p:blipFill>
         <p:spPr>
           <a:xfrm>
-            <a:off x="6972423" y="2071994"/>
-            <a:ext cx="3869747" cy="2400052"/>
+            <a:off x="39255" y="189627"/>
+            <a:ext cx="3618345" cy="6012438"/>
           </a:xfrm>
           <a:prstGeom prst="rect">
             <a:avLst/>
           </a:prstGeom>
         </p:spPr>
       </p:pic>
-      <p:sp>
-        <p:nvSpPr>
-          <p:cNvPr id="5" name="TextBox 4"/>
+      <p:cxnSp>
+        <p:nvCxnSpPr>
+          <p:cNvPr id="9" name="직선 화살표 연결선 8"/>
+          <p:cNvCxnSpPr/>
+          <p:nvPr/>
+        </p:nvCxnSpPr>
+        <p:spPr>
+          <a:xfrm flipH="1">
+            <a:off x="2578100" y="1162050"/>
+            <a:ext cx="1174750" cy="0"/>
+          </a:xfrm>
+          <a:prstGeom prst="straightConnector1">
+            <a:avLst/>
+          </a:prstGeom>
+          <a:ln>
+            <a:solidFill>
+              <a:schemeClr val="tx1"/>
+            </a:solidFill>
+            <a:tailEnd type="triangle"/>
+          </a:ln>
+        </p:spPr>
+        <p:style>
+          <a:lnRef idx="1">
+            <a:schemeClr val="accent1"/>
+          </a:lnRef>
+          <a:fillRef idx="0">
+            <a:schemeClr val="accent1"/>
+          </a:fillRef>
+          <a:effectRef idx="0">
+            <a:schemeClr val="accent1"/>
+          </a:effectRef>
+          <a:fontRef idx="minor">
+            <a:schemeClr val="tx1"/>
+          </a:fontRef>
+        </p:style>
+      </p:cxnSp>
+      <p:pic>
+        <p:nvPicPr>
+          <p:cNvPr id="15" name="그림 14"/>
+          <p:cNvPicPr>
+            <a:picLocks noChangeAspect="1"/>
+          </p:cNvPicPr>
+          <p:nvPr/>
+        </p:nvPicPr>
+        <p:blipFill>
+          <a:blip r:embed="rId3"/>
+          <a:stretch>
+            <a:fillRect/>
+          </a:stretch>
+        </p:blipFill>
+        <p:spPr>
+          <a:xfrm>
+            <a:off x="6203782" y="606013"/>
+            <a:ext cx="5457825" cy="3305175"/>
+          </a:xfrm>
+          <a:prstGeom prst="rect">
+            <a:avLst/>
+          </a:prstGeom>
+        </p:spPr>
+      </p:pic>
+      <p:sp>
+        <p:nvSpPr>
+          <p:cNvPr id="16" name="TextBox 15"/>
           <p:cNvSpPr txBox="1"/>
           <p:nvPr/>
         </p:nvSpPr>
         <p:spPr>
           <a:xfrm>
-            <a:off x="7320857" y="1620981"/>
-            <a:ext cx="3172877" cy="369332"/>
+            <a:off x="3752850" y="977384"/>
+            <a:ext cx="1893455" cy="369332"/>
           </a:xfrm>
           <a:prstGeom prst="rect">
             <a:avLst/>
@@ -4683,11 +4980,89 @@
           <a:p>
             <a:r>
               <a:rPr lang="en-US" altLang="ko-KR" dirty="0" smtClean="0"/>
-              <a:t>Setup.exe </a:t>
+              <a:t>Setup </a:t>
             </a:r>
             <a:r>
               <a:rPr lang="ko-KR" altLang="en-US" dirty="0" smtClean="0"/>
-              <a:t>파일 실행 후 설치</a:t>
+              <a:t>파일 저장</a:t>
+            </a:r>
+            <a:endParaRPr lang="en-US" altLang="ko-KR" dirty="0" smtClean="0"/>
+          </a:p>
+        </p:txBody>
+      </p:sp>
+      <p:pic>
+        <p:nvPicPr>
+          <p:cNvPr id="18" name="그림 17"/>
+          <p:cNvPicPr>
+            <a:picLocks noChangeAspect="1"/>
+          </p:cNvPicPr>
+          <p:nvPr/>
+        </p:nvPicPr>
+        <p:blipFill>
+          <a:blip r:embed="rId4"/>
+          <a:stretch>
+            <a:fillRect/>
+          </a:stretch>
+        </p:blipFill>
+        <p:spPr>
+          <a:xfrm>
+            <a:off x="3025775" y="1531382"/>
+            <a:ext cx="3043780" cy="944817"/>
+          </a:xfrm>
+          <a:prstGeom prst="rect">
+            <a:avLst/>
+          </a:prstGeom>
+        </p:spPr>
+      </p:pic>
+      <p:pic>
+        <p:nvPicPr>
+          <p:cNvPr id="19" name="그림 18"/>
+          <p:cNvPicPr>
+            <a:picLocks noChangeAspect="1"/>
+          </p:cNvPicPr>
+          <p:nvPr/>
+        </p:nvPicPr>
+        <p:blipFill>
+          <a:blip r:embed="rId5"/>
+          <a:stretch>
+            <a:fillRect/>
+          </a:stretch>
+        </p:blipFill>
+        <p:spPr>
+          <a:xfrm>
+            <a:off x="6489532" y="4502770"/>
+            <a:ext cx="4657725" cy="2000250"/>
+          </a:xfrm>
+          <a:prstGeom prst="rect">
+            <a:avLst/>
+          </a:prstGeom>
+        </p:spPr>
+      </p:pic>
+      <p:sp>
+        <p:nvSpPr>
+          <p:cNvPr id="20" name="TextBox 19"/>
+          <p:cNvSpPr txBox="1"/>
+          <p:nvPr/>
+        </p:nvSpPr>
+        <p:spPr>
+          <a:xfrm>
+            <a:off x="7925871" y="4133438"/>
+            <a:ext cx="1785045" cy="369332"/>
+          </a:xfrm>
+          <a:prstGeom prst="rect">
+            <a:avLst/>
+          </a:prstGeom>
+          <a:noFill/>
+        </p:spPr>
+        <p:txBody>
+          <a:bodyPr wrap="square" rtlCol="0">
+            <a:spAutoFit/>
+          </a:bodyPr>
+          <a:lstStyle/>
+          <a:p>
+            <a:r>
+              <a:rPr lang="ko-KR" altLang="en-US" smtClean="0"/>
+              <a:t>잘 설치 됩니다</a:t>
             </a:r>
             <a:endParaRPr lang="ko-KR" altLang="en-US" dirty="0"/>
           </a:p>
